--- a/Presentation1.pptx
+++ b/Presentation1.pptx
@@ -280,7 +280,7 @@
           <a:p>
             <a:fld id="{2E9614EB-84E7-477A-829E-C12DC29F6484}" type="datetimeFigureOut">
               <a:rPr lang="en-GB" smtClean="0"/>
-              <a:t>18/03/2015</a:t>
+              <a:t>25/03/2015</a:t>
             </a:fld>
             <a:endParaRPr lang="en-GB"/>
           </a:p>
@@ -490,7 +490,7 @@
           <a:p>
             <a:fld id="{2E9614EB-84E7-477A-829E-C12DC29F6484}" type="datetimeFigureOut">
               <a:rPr lang="en-GB" smtClean="0"/>
-              <a:t>18/03/2015</a:t>
+              <a:t>25/03/2015</a:t>
             </a:fld>
             <a:endParaRPr lang="en-GB"/>
           </a:p>
@@ -796,7 +796,7 @@
           <a:p>
             <a:fld id="{2E9614EB-84E7-477A-829E-C12DC29F6484}" type="datetimeFigureOut">
               <a:rPr lang="en-GB" smtClean="0"/>
-              <a:t>18/03/2015</a:t>
+              <a:t>25/03/2015</a:t>
             </a:fld>
             <a:endParaRPr lang="en-GB"/>
           </a:p>
@@ -1066,7 +1066,7 @@
           <a:p>
             <a:fld id="{2E9614EB-84E7-477A-829E-C12DC29F6484}" type="datetimeFigureOut">
               <a:rPr lang="en-GB" smtClean="0"/>
-              <a:t>18/03/2015</a:t>
+              <a:t>25/03/2015</a:t>
             </a:fld>
             <a:endParaRPr lang="en-GB"/>
           </a:p>
@@ -1472,7 +1472,7 @@
           <a:p>
             <a:fld id="{2E9614EB-84E7-477A-829E-C12DC29F6484}" type="datetimeFigureOut">
               <a:rPr lang="en-GB" smtClean="0"/>
-              <a:t>18/03/2015</a:t>
+              <a:t>25/03/2015</a:t>
             </a:fld>
             <a:endParaRPr lang="en-GB"/>
           </a:p>
@@ -1622,7 +1622,7 @@
           <a:p>
             <a:fld id="{2E9614EB-84E7-477A-829E-C12DC29F6484}" type="datetimeFigureOut">
               <a:rPr lang="en-GB" smtClean="0"/>
-              <a:t>18/03/2015</a:t>
+              <a:t>25/03/2015</a:t>
             </a:fld>
             <a:endParaRPr lang="en-GB"/>
           </a:p>
@@ -1741,7 +1741,7 @@
           <a:p>
             <a:fld id="{2E9614EB-84E7-477A-829E-C12DC29F6484}" type="datetimeFigureOut">
               <a:rPr lang="en-GB" smtClean="0"/>
-              <a:t>18/03/2015</a:t>
+              <a:t>25/03/2015</a:t>
             </a:fld>
             <a:endParaRPr lang="en-GB"/>
           </a:p>
@@ -2051,7 +2051,7 @@
           <a:p>
             <a:fld id="{2E9614EB-84E7-477A-829E-C12DC29F6484}" type="datetimeFigureOut">
               <a:rPr lang="en-GB" smtClean="0"/>
-              <a:t>18/03/2015</a:t>
+              <a:t>25/03/2015</a:t>
             </a:fld>
             <a:endParaRPr lang="en-GB"/>
           </a:p>
@@ -2337,7 +2337,7 @@
           <a:p>
             <a:fld id="{2E9614EB-84E7-477A-829E-C12DC29F6484}" type="datetimeFigureOut">
               <a:rPr lang="en-GB" smtClean="0"/>
-              <a:t>18/03/2015</a:t>
+              <a:t>25/03/2015</a:t>
             </a:fld>
             <a:endParaRPr lang="en-GB"/>
           </a:p>
@@ -3827,6 +3827,1469 @@
           </a:p>
         </p:txBody>
       </p:sp>
+      <p:sp>
+        <p:nvSpPr>
+          <p:cNvPr id="2" name="TextBox 1"/>
+          <p:cNvSpPr txBox="1"/>
+          <p:nvPr/>
+        </p:nvSpPr>
+        <p:spPr>
+          <a:xfrm>
+            <a:off x="2709862" y="1886465"/>
+            <a:ext cx="914400" cy="369332"/>
+          </a:xfrm>
+          <a:prstGeom prst="rect">
+            <a:avLst/>
+          </a:prstGeom>
+          <a:noFill/>
+        </p:spPr>
+        <p:txBody>
+          <a:bodyPr wrap="square" rtlCol="0">
+            <a:spAutoFit/>
+          </a:bodyPr>
+          <a:lstStyle/>
+          <a:p>
+            <a:r>
+              <a:rPr lang="en-GB" dirty="0" smtClean="0"/>
+              <a:t>Sign in </a:t>
+            </a:r>
+            <a:endParaRPr lang="en-GB" dirty="0"/>
+          </a:p>
+        </p:txBody>
+      </p:sp>
+      <p:sp>
+        <p:nvSpPr>
+          <p:cNvPr id="3" name="TextBox 2"/>
+          <p:cNvSpPr txBox="1"/>
+          <p:nvPr/>
+        </p:nvSpPr>
+        <p:spPr>
+          <a:xfrm>
+            <a:off x="76200" y="2255797"/>
+            <a:ext cx="6181725" cy="646331"/>
+          </a:xfrm>
+          <a:prstGeom prst="rect">
+            <a:avLst/>
+          </a:prstGeom>
+          <a:noFill/>
+        </p:spPr>
+        <p:txBody>
+          <a:bodyPr wrap="square" rtlCol="0">
+            <a:spAutoFit/>
+          </a:bodyPr>
+          <a:lstStyle/>
+          <a:p>
+            <a:r>
+              <a:rPr lang="en-GB" dirty="0" smtClean="0"/>
+              <a:t>E-mail:</a:t>
+            </a:r>
+          </a:p>
+          <a:p>
+            <a:r>
+              <a:rPr lang="en-GB" dirty="0" smtClean="0"/>
+              <a:t>Password:</a:t>
+            </a:r>
+            <a:endParaRPr lang="en-GB" dirty="0"/>
+          </a:p>
+        </p:txBody>
+      </p:sp>
+      <p:sp>
+        <p:nvSpPr>
+          <p:cNvPr id="7" name="Rectangle 6"/>
+          <p:cNvSpPr/>
+          <p:nvPr/>
+        </p:nvSpPr>
+        <p:spPr>
+          <a:xfrm>
+            <a:off x="8155459" y="1366945"/>
+            <a:ext cx="3787604" cy="231178"/>
+          </a:xfrm>
+          <a:prstGeom prst="rect">
+            <a:avLst/>
+          </a:prstGeom>
+          <a:solidFill>
+            <a:schemeClr val="bg2"/>
+          </a:solidFill>
+          <a:ln>
+            <a:solidFill>
+              <a:schemeClr val="bg2"/>
+            </a:solidFill>
+          </a:ln>
+        </p:spPr>
+        <p:style>
+          <a:lnRef idx="2">
+            <a:schemeClr val="accent1">
+              <a:shade val="50000"/>
+            </a:schemeClr>
+          </a:lnRef>
+          <a:fillRef idx="1">
+            <a:schemeClr val="accent1"/>
+          </a:fillRef>
+          <a:effectRef idx="0">
+            <a:schemeClr val="accent1"/>
+          </a:effectRef>
+          <a:fontRef idx="minor">
+            <a:schemeClr val="lt1"/>
+          </a:fontRef>
+        </p:style>
+        <p:txBody>
+          <a:bodyPr rtlCol="0" anchor="ctr"/>
+          <a:lstStyle/>
+          <a:p>
+            <a:pPr algn="ctr"/>
+            <a:endParaRPr lang="en-GB"/>
+          </a:p>
+        </p:txBody>
+      </p:sp>
+      <p:sp>
+        <p:nvSpPr>
+          <p:cNvPr id="8" name="Rectangle 7"/>
+          <p:cNvSpPr/>
+          <p:nvPr/>
+        </p:nvSpPr>
+        <p:spPr>
+          <a:xfrm>
+            <a:off x="1129100" y="2587719"/>
+            <a:ext cx="5016328" cy="231178"/>
+          </a:xfrm>
+          <a:prstGeom prst="rect">
+            <a:avLst/>
+          </a:prstGeom>
+          <a:solidFill>
+            <a:schemeClr val="bg2"/>
+          </a:solidFill>
+          <a:ln>
+            <a:solidFill>
+              <a:schemeClr val="bg2"/>
+            </a:solidFill>
+          </a:ln>
+        </p:spPr>
+        <p:style>
+          <a:lnRef idx="2">
+            <a:schemeClr val="accent1">
+              <a:shade val="50000"/>
+            </a:schemeClr>
+          </a:lnRef>
+          <a:fillRef idx="1">
+            <a:schemeClr val="accent1"/>
+          </a:fillRef>
+          <a:effectRef idx="0">
+            <a:schemeClr val="accent1"/>
+          </a:effectRef>
+          <a:fontRef idx="minor">
+            <a:schemeClr val="lt1"/>
+          </a:fontRef>
+        </p:style>
+        <p:txBody>
+          <a:bodyPr rtlCol="0" anchor="ctr"/>
+          <a:lstStyle/>
+          <a:p>
+            <a:pPr algn="ctr"/>
+            <a:endParaRPr lang="en-GB"/>
+          </a:p>
+        </p:txBody>
+      </p:sp>
+      <p:sp>
+        <p:nvSpPr>
+          <p:cNvPr id="9" name="TextBox 8"/>
+          <p:cNvSpPr txBox="1"/>
+          <p:nvPr/>
+        </p:nvSpPr>
+        <p:spPr>
+          <a:xfrm>
+            <a:off x="5589476" y="2884393"/>
+            <a:ext cx="555951" cy="276999"/>
+          </a:xfrm>
+          <a:prstGeom prst="rect">
+            <a:avLst/>
+          </a:prstGeom>
+          <a:solidFill>
+            <a:srgbClr val="00529B"/>
+          </a:solidFill>
+        </p:spPr>
+        <p:txBody>
+          <a:bodyPr wrap="square" rtlCol="0">
+            <a:spAutoFit/>
+          </a:bodyPr>
+          <a:lstStyle/>
+          <a:p>
+            <a:r>
+              <a:rPr lang="en-GB" sz="1200" dirty="0" smtClean="0">
+                <a:solidFill>
+                  <a:schemeClr val="bg1"/>
+                </a:solidFill>
+              </a:rPr>
+              <a:t>Log in</a:t>
+            </a:r>
+            <a:endParaRPr lang="en-GB" sz="1200" dirty="0">
+              <a:solidFill>
+                <a:schemeClr val="bg1"/>
+              </a:solidFill>
+            </a:endParaRPr>
+          </a:p>
+        </p:txBody>
+      </p:sp>
+      <p:sp>
+        <p:nvSpPr>
+          <p:cNvPr id="10" name="TextBox 9"/>
+          <p:cNvSpPr txBox="1"/>
+          <p:nvPr/>
+        </p:nvSpPr>
+        <p:spPr>
+          <a:xfrm>
+            <a:off x="2318565" y="3349109"/>
+            <a:ext cx="1696994" cy="369332"/>
+          </a:xfrm>
+          <a:prstGeom prst="rect">
+            <a:avLst/>
+          </a:prstGeom>
+          <a:noFill/>
+        </p:spPr>
+        <p:txBody>
+          <a:bodyPr wrap="square" rtlCol="0">
+            <a:spAutoFit/>
+          </a:bodyPr>
+          <a:lstStyle/>
+          <a:p>
+            <a:r>
+              <a:rPr lang="en-GB" dirty="0" smtClean="0"/>
+              <a:t>Hospital Sign-in</a:t>
+            </a:r>
+            <a:endParaRPr lang="en-GB" dirty="0"/>
+          </a:p>
+        </p:txBody>
+      </p:sp>
+      <p:sp>
+        <p:nvSpPr>
+          <p:cNvPr id="11" name="TextBox 10"/>
+          <p:cNvSpPr txBox="1"/>
+          <p:nvPr/>
+        </p:nvSpPr>
+        <p:spPr>
+          <a:xfrm>
+            <a:off x="76200" y="3718441"/>
+            <a:ext cx="6181725" cy="646331"/>
+          </a:xfrm>
+          <a:prstGeom prst="rect">
+            <a:avLst/>
+          </a:prstGeom>
+          <a:noFill/>
+        </p:spPr>
+        <p:txBody>
+          <a:bodyPr wrap="square" rtlCol="0">
+            <a:spAutoFit/>
+          </a:bodyPr>
+          <a:lstStyle/>
+          <a:p>
+            <a:r>
+              <a:rPr lang="en-GB" dirty="0" smtClean="0"/>
+              <a:t>E-mail:</a:t>
+            </a:r>
+          </a:p>
+          <a:p>
+            <a:r>
+              <a:rPr lang="en-GB" dirty="0" smtClean="0"/>
+              <a:t>Password:</a:t>
+            </a:r>
+            <a:endParaRPr lang="en-GB" dirty="0"/>
+          </a:p>
+        </p:txBody>
+      </p:sp>
+      <p:sp>
+        <p:nvSpPr>
+          <p:cNvPr id="12" name="Rectangle 11"/>
+          <p:cNvSpPr/>
+          <p:nvPr/>
+        </p:nvSpPr>
+        <p:spPr>
+          <a:xfrm>
+            <a:off x="930877" y="3783937"/>
+            <a:ext cx="2693386" cy="231178"/>
+          </a:xfrm>
+          <a:prstGeom prst="rect">
+            <a:avLst/>
+          </a:prstGeom>
+          <a:solidFill>
+            <a:schemeClr val="bg2"/>
+          </a:solidFill>
+          <a:ln>
+            <a:solidFill>
+              <a:schemeClr val="bg2"/>
+            </a:solidFill>
+          </a:ln>
+        </p:spPr>
+        <p:style>
+          <a:lnRef idx="2">
+            <a:schemeClr val="accent1">
+              <a:shade val="50000"/>
+            </a:schemeClr>
+          </a:lnRef>
+          <a:fillRef idx="1">
+            <a:schemeClr val="accent1"/>
+          </a:fillRef>
+          <a:effectRef idx="0">
+            <a:schemeClr val="accent1"/>
+          </a:effectRef>
+          <a:fontRef idx="minor">
+            <a:schemeClr val="lt1"/>
+          </a:fontRef>
+        </p:style>
+        <p:txBody>
+          <a:bodyPr rtlCol="0" anchor="ctr"/>
+          <a:lstStyle/>
+          <a:p>
+            <a:pPr algn="ctr"/>
+            <a:endParaRPr lang="en-GB"/>
+          </a:p>
+        </p:txBody>
+      </p:sp>
+      <p:sp>
+        <p:nvSpPr>
+          <p:cNvPr id="13" name="Rectangle 12"/>
+          <p:cNvSpPr/>
+          <p:nvPr/>
+        </p:nvSpPr>
+        <p:spPr>
+          <a:xfrm>
+            <a:off x="1129100" y="4050363"/>
+            <a:ext cx="5016328" cy="231178"/>
+          </a:xfrm>
+          <a:prstGeom prst="rect">
+            <a:avLst/>
+          </a:prstGeom>
+          <a:solidFill>
+            <a:schemeClr val="bg2"/>
+          </a:solidFill>
+          <a:ln>
+            <a:solidFill>
+              <a:schemeClr val="bg2"/>
+            </a:solidFill>
+          </a:ln>
+        </p:spPr>
+        <p:style>
+          <a:lnRef idx="2">
+            <a:schemeClr val="accent1">
+              <a:shade val="50000"/>
+            </a:schemeClr>
+          </a:lnRef>
+          <a:fillRef idx="1">
+            <a:schemeClr val="accent1"/>
+          </a:fillRef>
+          <a:effectRef idx="0">
+            <a:schemeClr val="accent1"/>
+          </a:effectRef>
+          <a:fontRef idx="minor">
+            <a:schemeClr val="lt1"/>
+          </a:fontRef>
+        </p:style>
+        <p:txBody>
+          <a:bodyPr rtlCol="0" anchor="ctr"/>
+          <a:lstStyle/>
+          <a:p>
+            <a:pPr algn="ctr"/>
+            <a:endParaRPr lang="en-GB"/>
+          </a:p>
+        </p:txBody>
+      </p:sp>
+      <p:sp>
+        <p:nvSpPr>
+          <p:cNvPr id="14" name="TextBox 13"/>
+          <p:cNvSpPr txBox="1"/>
+          <p:nvPr/>
+        </p:nvSpPr>
+        <p:spPr>
+          <a:xfrm>
+            <a:off x="5589476" y="4347037"/>
+            <a:ext cx="555951" cy="276999"/>
+          </a:xfrm>
+          <a:prstGeom prst="rect">
+            <a:avLst/>
+          </a:prstGeom>
+          <a:solidFill>
+            <a:srgbClr val="00529B"/>
+          </a:solidFill>
+        </p:spPr>
+        <p:txBody>
+          <a:bodyPr wrap="square" rtlCol="0">
+            <a:spAutoFit/>
+          </a:bodyPr>
+          <a:lstStyle/>
+          <a:p>
+            <a:r>
+              <a:rPr lang="en-GB" sz="1200" dirty="0" smtClean="0">
+                <a:solidFill>
+                  <a:schemeClr val="bg1"/>
+                </a:solidFill>
+              </a:rPr>
+              <a:t>Log in</a:t>
+            </a:r>
+            <a:endParaRPr lang="en-GB" sz="1200" dirty="0">
+              <a:solidFill>
+                <a:schemeClr val="bg1"/>
+              </a:solidFill>
+            </a:endParaRPr>
+          </a:p>
+        </p:txBody>
+      </p:sp>
+      <p:sp>
+        <p:nvSpPr>
+          <p:cNvPr id="15" name="TextBox 14"/>
+          <p:cNvSpPr txBox="1"/>
+          <p:nvPr/>
+        </p:nvSpPr>
+        <p:spPr>
+          <a:xfrm>
+            <a:off x="3624262" y="3718441"/>
+            <a:ext cx="2521165" cy="369332"/>
+          </a:xfrm>
+          <a:prstGeom prst="rect">
+            <a:avLst/>
+          </a:prstGeom>
+          <a:noFill/>
+        </p:spPr>
+        <p:txBody>
+          <a:bodyPr wrap="square" rtlCol="0">
+            <a:spAutoFit/>
+          </a:bodyPr>
+          <a:lstStyle/>
+          <a:p>
+            <a:r>
+              <a:rPr lang="en-GB" dirty="0" smtClean="0"/>
+              <a:t>@nhs.co.uk</a:t>
+            </a:r>
+            <a:endParaRPr lang="en-GB" dirty="0"/>
+          </a:p>
+        </p:txBody>
+      </p:sp>
+      <p:sp>
+        <p:nvSpPr>
+          <p:cNvPr id="16" name="Rectangle 15"/>
+          <p:cNvSpPr/>
+          <p:nvPr/>
+        </p:nvSpPr>
+        <p:spPr>
+          <a:xfrm>
+            <a:off x="8155459" y="1714840"/>
+            <a:ext cx="1548714" cy="231178"/>
+          </a:xfrm>
+          <a:prstGeom prst="rect">
+            <a:avLst/>
+          </a:prstGeom>
+          <a:solidFill>
+            <a:schemeClr val="bg2"/>
+          </a:solidFill>
+          <a:ln>
+            <a:solidFill>
+              <a:schemeClr val="bg2"/>
+            </a:solidFill>
+          </a:ln>
+        </p:spPr>
+        <p:style>
+          <a:lnRef idx="2">
+            <a:schemeClr val="accent1">
+              <a:shade val="50000"/>
+            </a:schemeClr>
+          </a:lnRef>
+          <a:fillRef idx="1">
+            <a:schemeClr val="accent1"/>
+          </a:fillRef>
+          <a:effectRef idx="0">
+            <a:schemeClr val="accent1"/>
+          </a:effectRef>
+          <a:fontRef idx="minor">
+            <a:schemeClr val="lt1"/>
+          </a:fontRef>
+        </p:style>
+        <p:txBody>
+          <a:bodyPr rtlCol="0" anchor="ctr"/>
+          <a:lstStyle/>
+          <a:p>
+            <a:pPr algn="ctr"/>
+            <a:r>
+              <a:rPr lang="en-GB" dirty="0" smtClean="0"/>
+              <a:t>DD/MM/YYYY</a:t>
+            </a:r>
+            <a:endParaRPr lang="en-GB" dirty="0"/>
+          </a:p>
+        </p:txBody>
+      </p:sp>
+      <p:sp>
+        <p:nvSpPr>
+          <p:cNvPr id="17" name="Rectangle 16"/>
+          <p:cNvSpPr/>
+          <p:nvPr/>
+        </p:nvSpPr>
+        <p:spPr>
+          <a:xfrm>
+            <a:off x="8162024" y="3487622"/>
+            <a:ext cx="3798416" cy="907910"/>
+          </a:xfrm>
+          <a:prstGeom prst="rect">
+            <a:avLst/>
+          </a:prstGeom>
+          <a:solidFill>
+            <a:schemeClr val="bg2"/>
+          </a:solidFill>
+          <a:ln>
+            <a:solidFill>
+              <a:schemeClr val="bg2"/>
+            </a:solidFill>
+          </a:ln>
+        </p:spPr>
+        <p:style>
+          <a:lnRef idx="2">
+            <a:schemeClr val="accent1">
+              <a:shade val="50000"/>
+            </a:schemeClr>
+          </a:lnRef>
+          <a:fillRef idx="1">
+            <a:schemeClr val="accent1"/>
+          </a:fillRef>
+          <a:effectRef idx="0">
+            <a:schemeClr val="accent1"/>
+          </a:effectRef>
+          <a:fontRef idx="minor">
+            <a:schemeClr val="lt1"/>
+          </a:fontRef>
+        </p:style>
+        <p:txBody>
+          <a:bodyPr rtlCol="0" anchor="ctr"/>
+          <a:lstStyle/>
+          <a:p>
+            <a:pPr algn="ctr"/>
+            <a:endParaRPr lang="en-GB"/>
+          </a:p>
+        </p:txBody>
+      </p:sp>
+      <p:sp>
+        <p:nvSpPr>
+          <p:cNvPr id="18" name="Rectangle 17"/>
+          <p:cNvSpPr/>
+          <p:nvPr/>
+        </p:nvSpPr>
+        <p:spPr>
+          <a:xfrm>
+            <a:off x="930877" y="2315036"/>
+            <a:ext cx="5214551" cy="231178"/>
+          </a:xfrm>
+          <a:prstGeom prst="rect">
+            <a:avLst/>
+          </a:prstGeom>
+          <a:solidFill>
+            <a:schemeClr val="bg2"/>
+          </a:solidFill>
+          <a:ln>
+            <a:solidFill>
+              <a:schemeClr val="bg2"/>
+            </a:solidFill>
+          </a:ln>
+        </p:spPr>
+        <p:style>
+          <a:lnRef idx="2">
+            <a:schemeClr val="accent1">
+              <a:shade val="50000"/>
+            </a:schemeClr>
+          </a:lnRef>
+          <a:fillRef idx="1">
+            <a:schemeClr val="accent1"/>
+          </a:fillRef>
+          <a:effectRef idx="0">
+            <a:schemeClr val="accent1"/>
+          </a:effectRef>
+          <a:fontRef idx="minor">
+            <a:schemeClr val="lt1"/>
+          </a:fontRef>
+        </p:style>
+        <p:txBody>
+          <a:bodyPr rtlCol="0" anchor="ctr"/>
+          <a:lstStyle/>
+          <a:p>
+            <a:pPr algn="ctr"/>
+            <a:endParaRPr lang="en-GB"/>
+          </a:p>
+        </p:txBody>
+      </p:sp>
+      <p:sp>
+        <p:nvSpPr>
+          <p:cNvPr id="19" name="Rectangle 18"/>
+          <p:cNvSpPr/>
+          <p:nvPr/>
+        </p:nvSpPr>
+        <p:spPr>
+          <a:xfrm>
+            <a:off x="8162024" y="4716820"/>
+            <a:ext cx="3806267" cy="231178"/>
+          </a:xfrm>
+          <a:prstGeom prst="rect">
+            <a:avLst/>
+          </a:prstGeom>
+          <a:solidFill>
+            <a:schemeClr val="bg2"/>
+          </a:solidFill>
+          <a:ln>
+            <a:solidFill>
+              <a:schemeClr val="bg2"/>
+            </a:solidFill>
+          </a:ln>
+        </p:spPr>
+        <p:style>
+          <a:lnRef idx="2">
+            <a:schemeClr val="accent1">
+              <a:shade val="50000"/>
+            </a:schemeClr>
+          </a:lnRef>
+          <a:fillRef idx="1">
+            <a:schemeClr val="accent1"/>
+          </a:fillRef>
+          <a:effectRef idx="0">
+            <a:schemeClr val="accent1"/>
+          </a:effectRef>
+          <a:fontRef idx="minor">
+            <a:schemeClr val="lt1"/>
+          </a:fontRef>
+        </p:style>
+        <p:txBody>
+          <a:bodyPr rtlCol="0" anchor="ctr"/>
+          <a:lstStyle/>
+          <a:p>
+            <a:pPr algn="ctr"/>
+            <a:endParaRPr lang="en-GB"/>
+          </a:p>
+        </p:txBody>
+      </p:sp>
+      <p:sp>
+        <p:nvSpPr>
+          <p:cNvPr id="20" name="Rectangle 19"/>
+          <p:cNvSpPr/>
+          <p:nvPr/>
+        </p:nvSpPr>
+        <p:spPr>
+          <a:xfrm>
+            <a:off x="8155459" y="2055452"/>
+            <a:ext cx="3814119" cy="231178"/>
+          </a:xfrm>
+          <a:prstGeom prst="rect">
+            <a:avLst/>
+          </a:prstGeom>
+          <a:solidFill>
+            <a:schemeClr val="bg2"/>
+          </a:solidFill>
+          <a:ln>
+            <a:solidFill>
+              <a:schemeClr val="bg2"/>
+            </a:solidFill>
+          </a:ln>
+        </p:spPr>
+        <p:style>
+          <a:lnRef idx="2">
+            <a:schemeClr val="accent1">
+              <a:shade val="50000"/>
+            </a:schemeClr>
+          </a:lnRef>
+          <a:fillRef idx="1">
+            <a:schemeClr val="accent1"/>
+          </a:fillRef>
+          <a:effectRef idx="0">
+            <a:schemeClr val="accent1"/>
+          </a:effectRef>
+          <a:fontRef idx="minor">
+            <a:schemeClr val="lt1"/>
+          </a:fontRef>
+        </p:style>
+        <p:txBody>
+          <a:bodyPr rtlCol="0" anchor="ctr"/>
+          <a:lstStyle/>
+          <a:p>
+            <a:pPr algn="ctr"/>
+            <a:r>
+              <a:rPr lang="en-GB" dirty="0" smtClean="0"/>
+              <a:t>*Please Select*</a:t>
+            </a:r>
+            <a:endParaRPr lang="en-GB" dirty="0"/>
+          </a:p>
+        </p:txBody>
+      </p:sp>
+      <p:sp>
+        <p:nvSpPr>
+          <p:cNvPr id="21" name="Rectangle 20"/>
+          <p:cNvSpPr/>
+          <p:nvPr/>
+        </p:nvSpPr>
+        <p:spPr>
+          <a:xfrm>
+            <a:off x="8155459" y="1024375"/>
+            <a:ext cx="3798416" cy="231178"/>
+          </a:xfrm>
+          <a:prstGeom prst="rect">
+            <a:avLst/>
+          </a:prstGeom>
+          <a:solidFill>
+            <a:schemeClr val="bg2"/>
+          </a:solidFill>
+          <a:ln>
+            <a:solidFill>
+              <a:schemeClr val="bg2"/>
+            </a:solidFill>
+          </a:ln>
+        </p:spPr>
+        <p:style>
+          <a:lnRef idx="2">
+            <a:schemeClr val="accent1">
+              <a:shade val="50000"/>
+            </a:schemeClr>
+          </a:lnRef>
+          <a:fillRef idx="1">
+            <a:schemeClr val="accent1"/>
+          </a:fillRef>
+          <a:effectRef idx="0">
+            <a:schemeClr val="accent1"/>
+          </a:effectRef>
+          <a:fontRef idx="minor">
+            <a:schemeClr val="lt1"/>
+          </a:fontRef>
+        </p:style>
+        <p:txBody>
+          <a:bodyPr rtlCol="0" anchor="ctr"/>
+          <a:lstStyle/>
+          <a:p>
+            <a:pPr algn="ctr"/>
+            <a:endParaRPr lang="en-GB"/>
+          </a:p>
+        </p:txBody>
+      </p:sp>
+      <p:sp>
+        <p:nvSpPr>
+          <p:cNvPr id="22" name="TextBox 21"/>
+          <p:cNvSpPr txBox="1"/>
+          <p:nvPr/>
+        </p:nvSpPr>
+        <p:spPr>
+          <a:xfrm>
+            <a:off x="6868812" y="955298"/>
+            <a:ext cx="1622854" cy="369332"/>
+          </a:xfrm>
+          <a:prstGeom prst="rect">
+            <a:avLst/>
+          </a:prstGeom>
+          <a:noFill/>
+        </p:spPr>
+        <p:txBody>
+          <a:bodyPr wrap="square" rtlCol="0">
+            <a:spAutoFit/>
+          </a:bodyPr>
+          <a:lstStyle/>
+          <a:p>
+            <a:r>
+              <a:rPr lang="en-GB" dirty="0" smtClean="0"/>
+              <a:t>Full Name</a:t>
+            </a:r>
+            <a:endParaRPr lang="en-GB" dirty="0"/>
+          </a:p>
+        </p:txBody>
+      </p:sp>
+      <p:sp>
+        <p:nvSpPr>
+          <p:cNvPr id="23" name="TextBox 22"/>
+          <p:cNvSpPr txBox="1"/>
+          <p:nvPr/>
+        </p:nvSpPr>
+        <p:spPr>
+          <a:xfrm>
+            <a:off x="7203282" y="1307025"/>
+            <a:ext cx="1532240" cy="369332"/>
+          </a:xfrm>
+          <a:prstGeom prst="rect">
+            <a:avLst/>
+          </a:prstGeom>
+          <a:noFill/>
+        </p:spPr>
+        <p:txBody>
+          <a:bodyPr wrap="square" rtlCol="0">
+            <a:spAutoFit/>
+          </a:bodyPr>
+          <a:lstStyle/>
+          <a:p>
+            <a:r>
+              <a:rPr lang="en-GB" dirty="0" smtClean="0"/>
+              <a:t>E-mail</a:t>
+            </a:r>
+            <a:endParaRPr lang="en-GB" dirty="0"/>
+          </a:p>
+        </p:txBody>
+      </p:sp>
+      <p:sp>
+        <p:nvSpPr>
+          <p:cNvPr id="24" name="TextBox 23"/>
+          <p:cNvSpPr txBox="1"/>
+          <p:nvPr/>
+        </p:nvSpPr>
+        <p:spPr>
+          <a:xfrm>
+            <a:off x="7260109" y="1637873"/>
+            <a:ext cx="1320885" cy="369332"/>
+          </a:xfrm>
+          <a:prstGeom prst="rect">
+            <a:avLst/>
+          </a:prstGeom>
+          <a:noFill/>
+        </p:spPr>
+        <p:txBody>
+          <a:bodyPr wrap="square" rtlCol="0">
+            <a:spAutoFit/>
+          </a:bodyPr>
+          <a:lstStyle/>
+          <a:p>
+            <a:r>
+              <a:rPr lang="en-GB" dirty="0" smtClean="0"/>
+              <a:t>D.O.B</a:t>
+            </a:r>
+            <a:endParaRPr lang="en-GB" dirty="0"/>
+          </a:p>
+        </p:txBody>
+      </p:sp>
+      <p:sp>
+        <p:nvSpPr>
+          <p:cNvPr id="25" name="Isosceles Triangle 24"/>
+          <p:cNvSpPr/>
+          <p:nvPr/>
+        </p:nvSpPr>
+        <p:spPr>
+          <a:xfrm flipH="1" flipV="1">
+            <a:off x="11726757" y="2141337"/>
+            <a:ext cx="184064" cy="114460"/>
+          </a:xfrm>
+          <a:prstGeom prst="triangle">
+            <a:avLst/>
+          </a:prstGeom>
+        </p:spPr>
+        <p:style>
+          <a:lnRef idx="2">
+            <a:schemeClr val="accent1">
+              <a:shade val="50000"/>
+            </a:schemeClr>
+          </a:lnRef>
+          <a:fillRef idx="1">
+            <a:schemeClr val="accent1"/>
+          </a:fillRef>
+          <a:effectRef idx="0">
+            <a:schemeClr val="accent1"/>
+          </a:effectRef>
+          <a:fontRef idx="minor">
+            <a:schemeClr val="lt1"/>
+          </a:fontRef>
+        </p:style>
+        <p:txBody>
+          <a:bodyPr rtlCol="0" anchor="ctr"/>
+          <a:lstStyle/>
+          <a:p>
+            <a:pPr algn="ctr"/>
+            <a:endParaRPr lang="en-GB"/>
+          </a:p>
+        </p:txBody>
+      </p:sp>
+      <p:sp>
+        <p:nvSpPr>
+          <p:cNvPr id="26" name="TextBox 25"/>
+          <p:cNvSpPr txBox="1"/>
+          <p:nvPr/>
+        </p:nvSpPr>
+        <p:spPr>
+          <a:xfrm>
+            <a:off x="6363603" y="2000842"/>
+            <a:ext cx="1679358" cy="369332"/>
+          </a:xfrm>
+          <a:prstGeom prst="rect">
+            <a:avLst/>
+          </a:prstGeom>
+          <a:noFill/>
+        </p:spPr>
+        <p:txBody>
+          <a:bodyPr wrap="square" rtlCol="0">
+            <a:spAutoFit/>
+          </a:bodyPr>
+          <a:lstStyle/>
+          <a:p>
+            <a:r>
+              <a:rPr lang="en-GB" dirty="0" smtClean="0"/>
+              <a:t>Field of interest</a:t>
+            </a:r>
+            <a:endParaRPr lang="en-GB" dirty="0"/>
+          </a:p>
+        </p:txBody>
+      </p:sp>
+      <p:sp>
+        <p:nvSpPr>
+          <p:cNvPr id="27" name="TextBox 26"/>
+          <p:cNvSpPr txBox="1"/>
+          <p:nvPr/>
+        </p:nvSpPr>
+        <p:spPr>
+          <a:xfrm>
+            <a:off x="6458465" y="2360251"/>
+            <a:ext cx="1584496" cy="646331"/>
+          </a:xfrm>
+          <a:prstGeom prst="rect">
+            <a:avLst/>
+          </a:prstGeom>
+          <a:noFill/>
+        </p:spPr>
+        <p:txBody>
+          <a:bodyPr wrap="square" rtlCol="0">
+            <a:spAutoFit/>
+          </a:bodyPr>
+          <a:lstStyle/>
+          <a:p>
+            <a:r>
+              <a:rPr lang="en-GB" dirty="0" smtClean="0"/>
+              <a:t>Recent qualification</a:t>
+            </a:r>
+            <a:endParaRPr lang="en-GB" dirty="0"/>
+          </a:p>
+        </p:txBody>
+      </p:sp>
+      <p:sp>
+        <p:nvSpPr>
+          <p:cNvPr id="28" name="Oval 27"/>
+          <p:cNvSpPr/>
+          <p:nvPr/>
+        </p:nvSpPr>
+        <p:spPr>
+          <a:xfrm>
+            <a:off x="8155459" y="2430625"/>
+            <a:ext cx="140044" cy="157094"/>
+          </a:xfrm>
+          <a:prstGeom prst="ellipse">
+            <a:avLst/>
+          </a:prstGeom>
+          <a:solidFill>
+            <a:schemeClr val="bg2"/>
+          </a:solidFill>
+        </p:spPr>
+        <p:style>
+          <a:lnRef idx="2">
+            <a:schemeClr val="accent1">
+              <a:shade val="50000"/>
+            </a:schemeClr>
+          </a:lnRef>
+          <a:fillRef idx="1">
+            <a:schemeClr val="accent1"/>
+          </a:fillRef>
+          <a:effectRef idx="0">
+            <a:schemeClr val="accent1"/>
+          </a:effectRef>
+          <a:fontRef idx="minor">
+            <a:schemeClr val="lt1"/>
+          </a:fontRef>
+        </p:style>
+        <p:txBody>
+          <a:bodyPr rtlCol="0" anchor="ctr"/>
+          <a:lstStyle/>
+          <a:p>
+            <a:pPr algn="ctr"/>
+            <a:endParaRPr lang="en-GB"/>
+          </a:p>
+        </p:txBody>
+      </p:sp>
+      <p:sp>
+        <p:nvSpPr>
+          <p:cNvPr id="29" name="Oval 28"/>
+          <p:cNvSpPr/>
+          <p:nvPr/>
+        </p:nvSpPr>
+        <p:spPr>
+          <a:xfrm>
+            <a:off x="8159578" y="2601145"/>
+            <a:ext cx="140044" cy="157094"/>
+          </a:xfrm>
+          <a:prstGeom prst="ellipse">
+            <a:avLst/>
+          </a:prstGeom>
+          <a:solidFill>
+            <a:schemeClr val="bg2"/>
+          </a:solidFill>
+        </p:spPr>
+        <p:style>
+          <a:lnRef idx="2">
+            <a:schemeClr val="accent1">
+              <a:shade val="50000"/>
+            </a:schemeClr>
+          </a:lnRef>
+          <a:fillRef idx="1">
+            <a:schemeClr val="accent1"/>
+          </a:fillRef>
+          <a:effectRef idx="0">
+            <a:schemeClr val="accent1"/>
+          </a:effectRef>
+          <a:fontRef idx="minor">
+            <a:schemeClr val="lt1"/>
+          </a:fontRef>
+        </p:style>
+        <p:txBody>
+          <a:bodyPr rtlCol="0" anchor="ctr"/>
+          <a:lstStyle/>
+          <a:p>
+            <a:pPr algn="ctr"/>
+            <a:endParaRPr lang="en-GB"/>
+          </a:p>
+        </p:txBody>
+      </p:sp>
+      <p:sp>
+        <p:nvSpPr>
+          <p:cNvPr id="30" name="Oval 29"/>
+          <p:cNvSpPr/>
+          <p:nvPr/>
+        </p:nvSpPr>
+        <p:spPr>
+          <a:xfrm>
+            <a:off x="8159578" y="2787917"/>
+            <a:ext cx="140044" cy="157094"/>
+          </a:xfrm>
+          <a:prstGeom prst="ellipse">
+            <a:avLst/>
+          </a:prstGeom>
+          <a:solidFill>
+            <a:schemeClr val="bg2"/>
+          </a:solidFill>
+        </p:spPr>
+        <p:style>
+          <a:lnRef idx="2">
+            <a:schemeClr val="accent1">
+              <a:shade val="50000"/>
+            </a:schemeClr>
+          </a:lnRef>
+          <a:fillRef idx="1">
+            <a:schemeClr val="accent1"/>
+          </a:fillRef>
+          <a:effectRef idx="0">
+            <a:schemeClr val="accent1"/>
+          </a:effectRef>
+          <a:fontRef idx="minor">
+            <a:schemeClr val="lt1"/>
+          </a:fontRef>
+        </p:style>
+        <p:txBody>
+          <a:bodyPr rtlCol="0" anchor="ctr"/>
+          <a:lstStyle/>
+          <a:p>
+            <a:pPr algn="ctr"/>
+            <a:endParaRPr lang="en-GB"/>
+          </a:p>
+        </p:txBody>
+      </p:sp>
+      <p:sp>
+        <p:nvSpPr>
+          <p:cNvPr id="31" name="Oval 30"/>
+          <p:cNvSpPr/>
+          <p:nvPr/>
+        </p:nvSpPr>
+        <p:spPr>
+          <a:xfrm>
+            <a:off x="8155459" y="2972218"/>
+            <a:ext cx="140044" cy="157094"/>
+          </a:xfrm>
+          <a:prstGeom prst="ellipse">
+            <a:avLst/>
+          </a:prstGeom>
+          <a:solidFill>
+            <a:schemeClr val="bg2"/>
+          </a:solidFill>
+        </p:spPr>
+        <p:style>
+          <a:lnRef idx="2">
+            <a:schemeClr val="accent1">
+              <a:shade val="50000"/>
+            </a:schemeClr>
+          </a:lnRef>
+          <a:fillRef idx="1">
+            <a:schemeClr val="accent1"/>
+          </a:fillRef>
+          <a:effectRef idx="0">
+            <a:schemeClr val="accent1"/>
+          </a:effectRef>
+          <a:fontRef idx="minor">
+            <a:schemeClr val="lt1"/>
+          </a:fontRef>
+        </p:style>
+        <p:txBody>
+          <a:bodyPr rtlCol="0" anchor="ctr"/>
+          <a:lstStyle/>
+          <a:p>
+            <a:pPr algn="ctr"/>
+            <a:endParaRPr lang="en-GB"/>
+          </a:p>
+        </p:txBody>
+      </p:sp>
+      <p:sp>
+        <p:nvSpPr>
+          <p:cNvPr id="32" name="Oval 31"/>
+          <p:cNvSpPr/>
+          <p:nvPr/>
+        </p:nvSpPr>
+        <p:spPr>
+          <a:xfrm>
+            <a:off x="8167816" y="3155296"/>
+            <a:ext cx="140044" cy="157094"/>
+          </a:xfrm>
+          <a:prstGeom prst="ellipse">
+            <a:avLst/>
+          </a:prstGeom>
+          <a:solidFill>
+            <a:schemeClr val="bg2"/>
+          </a:solidFill>
+        </p:spPr>
+        <p:style>
+          <a:lnRef idx="2">
+            <a:schemeClr val="accent1">
+              <a:shade val="50000"/>
+            </a:schemeClr>
+          </a:lnRef>
+          <a:fillRef idx="1">
+            <a:schemeClr val="accent1"/>
+          </a:fillRef>
+          <a:effectRef idx="0">
+            <a:schemeClr val="accent1"/>
+          </a:effectRef>
+          <a:fontRef idx="minor">
+            <a:schemeClr val="lt1"/>
+          </a:fontRef>
+        </p:style>
+        <p:txBody>
+          <a:bodyPr rtlCol="0" anchor="ctr"/>
+          <a:lstStyle/>
+          <a:p>
+            <a:pPr algn="ctr"/>
+            <a:endParaRPr lang="en-GB"/>
+          </a:p>
+        </p:txBody>
+      </p:sp>
+      <p:sp>
+        <p:nvSpPr>
+          <p:cNvPr id="33" name="TextBox 32"/>
+          <p:cNvSpPr txBox="1"/>
+          <p:nvPr/>
+        </p:nvSpPr>
+        <p:spPr>
+          <a:xfrm>
+            <a:off x="6391535" y="3439749"/>
+            <a:ext cx="1556948" cy="369332"/>
+          </a:xfrm>
+          <a:prstGeom prst="rect">
+            <a:avLst/>
+          </a:prstGeom>
+          <a:noFill/>
+        </p:spPr>
+        <p:txBody>
+          <a:bodyPr wrap="square" rtlCol="0">
+            <a:spAutoFit/>
+          </a:bodyPr>
+          <a:lstStyle/>
+          <a:p>
+            <a:r>
+              <a:rPr lang="en-GB" dirty="0" smtClean="0"/>
+              <a:t>About Yourself</a:t>
+            </a:r>
+            <a:endParaRPr lang="en-GB" dirty="0"/>
+          </a:p>
+        </p:txBody>
+      </p:sp>
+      <p:sp>
+        <p:nvSpPr>
+          <p:cNvPr id="34" name="TextBox 33"/>
+          <p:cNvSpPr txBox="1"/>
+          <p:nvPr/>
+        </p:nvSpPr>
+        <p:spPr>
+          <a:xfrm>
+            <a:off x="6458465" y="4647743"/>
+            <a:ext cx="1641455" cy="369332"/>
+          </a:xfrm>
+          <a:prstGeom prst="rect">
+            <a:avLst/>
+          </a:prstGeom>
+          <a:noFill/>
+        </p:spPr>
+        <p:txBody>
+          <a:bodyPr wrap="square" rtlCol="0">
+            <a:spAutoFit/>
+          </a:bodyPr>
+          <a:lstStyle/>
+          <a:p>
+            <a:r>
+              <a:rPr lang="en-GB" dirty="0" smtClean="0"/>
+              <a:t>Why the NHS?</a:t>
+            </a:r>
+            <a:endParaRPr lang="en-GB" dirty="0"/>
+          </a:p>
+        </p:txBody>
+      </p:sp>
+      <p:sp>
+        <p:nvSpPr>
+          <p:cNvPr id="35" name="TextBox 34"/>
+          <p:cNvSpPr txBox="1"/>
+          <p:nvPr/>
+        </p:nvSpPr>
+        <p:spPr>
+          <a:xfrm>
+            <a:off x="8822724" y="5500432"/>
+            <a:ext cx="671281" cy="276999"/>
+          </a:xfrm>
+          <a:prstGeom prst="rect">
+            <a:avLst/>
+          </a:prstGeom>
+          <a:solidFill>
+            <a:srgbClr val="00529B"/>
+          </a:solidFill>
+        </p:spPr>
+        <p:txBody>
+          <a:bodyPr wrap="square" rtlCol="0">
+            <a:spAutoFit/>
+          </a:bodyPr>
+          <a:lstStyle/>
+          <a:p>
+            <a:r>
+              <a:rPr lang="en-GB" sz="1200" dirty="0" smtClean="0">
+                <a:solidFill>
+                  <a:schemeClr val="bg1"/>
+                </a:solidFill>
+              </a:rPr>
+              <a:t>Sign Up</a:t>
+            </a:r>
+            <a:endParaRPr lang="en-GB" sz="1200" dirty="0">
+              <a:solidFill>
+                <a:schemeClr val="bg1"/>
+              </a:solidFill>
+            </a:endParaRPr>
+          </a:p>
+        </p:txBody>
+      </p:sp>
+      <p:sp>
+        <p:nvSpPr>
+          <p:cNvPr id="36" name="TextBox 35"/>
+          <p:cNvSpPr txBox="1"/>
+          <p:nvPr/>
+        </p:nvSpPr>
+        <p:spPr>
+          <a:xfrm>
+            <a:off x="8200767" y="552678"/>
+            <a:ext cx="3468130" cy="369332"/>
+          </a:xfrm>
+          <a:prstGeom prst="rect">
+            <a:avLst/>
+          </a:prstGeom>
+          <a:noFill/>
+        </p:spPr>
+        <p:txBody>
+          <a:bodyPr wrap="square" rtlCol="0">
+            <a:spAutoFit/>
+          </a:bodyPr>
+          <a:lstStyle/>
+          <a:p>
+            <a:r>
+              <a:rPr lang="en-GB" dirty="0" smtClean="0"/>
+              <a:t>Create Your Account</a:t>
+            </a:r>
+            <a:endParaRPr lang="en-GB" dirty="0"/>
+          </a:p>
+        </p:txBody>
+      </p:sp>
+      <p:sp>
+        <p:nvSpPr>
+          <p:cNvPr id="37" name="TextBox 36"/>
+          <p:cNvSpPr txBox="1"/>
+          <p:nvPr/>
+        </p:nvSpPr>
+        <p:spPr>
+          <a:xfrm>
+            <a:off x="8335664" y="2324506"/>
+            <a:ext cx="1754658" cy="369332"/>
+          </a:xfrm>
+          <a:prstGeom prst="rect">
+            <a:avLst/>
+          </a:prstGeom>
+          <a:noFill/>
+        </p:spPr>
+        <p:txBody>
+          <a:bodyPr wrap="square" rtlCol="0">
+            <a:spAutoFit/>
+          </a:bodyPr>
+          <a:lstStyle/>
+          <a:p>
+            <a:r>
+              <a:rPr lang="en-GB" dirty="0" smtClean="0"/>
+              <a:t>GCSE</a:t>
+            </a:r>
+            <a:endParaRPr lang="en-GB" dirty="0"/>
+          </a:p>
+        </p:txBody>
+      </p:sp>
+      <p:sp>
+        <p:nvSpPr>
+          <p:cNvPr id="38" name="TextBox 37"/>
+          <p:cNvSpPr txBox="1"/>
+          <p:nvPr/>
+        </p:nvSpPr>
+        <p:spPr>
+          <a:xfrm>
+            <a:off x="8339783" y="2495026"/>
+            <a:ext cx="1754658" cy="369332"/>
+          </a:xfrm>
+          <a:prstGeom prst="rect">
+            <a:avLst/>
+          </a:prstGeom>
+          <a:noFill/>
+        </p:spPr>
+        <p:txBody>
+          <a:bodyPr wrap="square" rtlCol="0">
+            <a:spAutoFit/>
+          </a:bodyPr>
+          <a:lstStyle/>
+          <a:p>
+            <a:r>
+              <a:rPr lang="en-GB" dirty="0" smtClean="0"/>
+              <a:t>A-Level</a:t>
+            </a:r>
+            <a:endParaRPr lang="en-GB" dirty="0"/>
+          </a:p>
+        </p:txBody>
+      </p:sp>
+      <p:sp>
+        <p:nvSpPr>
+          <p:cNvPr id="39" name="TextBox 38"/>
+          <p:cNvSpPr txBox="1"/>
+          <p:nvPr/>
+        </p:nvSpPr>
+        <p:spPr>
+          <a:xfrm>
+            <a:off x="8335664" y="2866099"/>
+            <a:ext cx="1754658" cy="369332"/>
+          </a:xfrm>
+          <a:prstGeom prst="rect">
+            <a:avLst/>
+          </a:prstGeom>
+          <a:noFill/>
+        </p:spPr>
+        <p:txBody>
+          <a:bodyPr wrap="square" rtlCol="0">
+            <a:spAutoFit/>
+          </a:bodyPr>
+          <a:lstStyle/>
+          <a:p>
+            <a:r>
+              <a:rPr lang="en-GB" dirty="0" smtClean="0"/>
+              <a:t>Level 3 Diploma</a:t>
+            </a:r>
+            <a:endParaRPr lang="en-GB" dirty="0"/>
+          </a:p>
+        </p:txBody>
+      </p:sp>
+      <p:sp>
+        <p:nvSpPr>
+          <p:cNvPr id="40" name="TextBox 39"/>
+          <p:cNvSpPr txBox="1"/>
+          <p:nvPr/>
+        </p:nvSpPr>
+        <p:spPr>
+          <a:xfrm>
+            <a:off x="8335664" y="2683983"/>
+            <a:ext cx="1754658" cy="369332"/>
+          </a:xfrm>
+          <a:prstGeom prst="rect">
+            <a:avLst/>
+          </a:prstGeom>
+          <a:noFill/>
+        </p:spPr>
+        <p:txBody>
+          <a:bodyPr wrap="square" rtlCol="0">
+            <a:spAutoFit/>
+          </a:bodyPr>
+          <a:lstStyle/>
+          <a:p>
+            <a:r>
+              <a:rPr lang="en-GB" dirty="0" smtClean="0"/>
+              <a:t>Level 2 Diploma</a:t>
+            </a:r>
+            <a:endParaRPr lang="en-GB" dirty="0"/>
+          </a:p>
+        </p:txBody>
+      </p:sp>
+      <p:sp>
+        <p:nvSpPr>
+          <p:cNvPr id="41" name="TextBox 40"/>
+          <p:cNvSpPr txBox="1"/>
+          <p:nvPr/>
+        </p:nvSpPr>
+        <p:spPr>
+          <a:xfrm>
+            <a:off x="8335664" y="3047460"/>
+            <a:ext cx="1754658" cy="369332"/>
+          </a:xfrm>
+          <a:prstGeom prst="rect">
+            <a:avLst/>
+          </a:prstGeom>
+          <a:noFill/>
+        </p:spPr>
+        <p:txBody>
+          <a:bodyPr wrap="square" rtlCol="0">
+            <a:spAutoFit/>
+          </a:bodyPr>
+          <a:lstStyle/>
+          <a:p>
+            <a:r>
+              <a:rPr lang="en-GB" dirty="0" smtClean="0"/>
+              <a:t>Other</a:t>
+            </a:r>
+            <a:endParaRPr lang="en-GB" dirty="0"/>
+          </a:p>
+        </p:txBody>
+      </p:sp>
+      <p:sp>
+        <p:nvSpPr>
+          <p:cNvPr id="42" name="Rectangle 41"/>
+          <p:cNvSpPr/>
+          <p:nvPr/>
+        </p:nvSpPr>
+        <p:spPr>
+          <a:xfrm>
+            <a:off x="9011358" y="3149365"/>
+            <a:ext cx="2931706" cy="199744"/>
+          </a:xfrm>
+          <a:prstGeom prst="rect">
+            <a:avLst/>
+          </a:prstGeom>
+          <a:solidFill>
+            <a:schemeClr val="bg2"/>
+          </a:solidFill>
+          <a:ln>
+            <a:solidFill>
+              <a:schemeClr val="bg2"/>
+            </a:solidFill>
+          </a:ln>
+        </p:spPr>
+        <p:style>
+          <a:lnRef idx="2">
+            <a:schemeClr val="accent1">
+              <a:shade val="50000"/>
+            </a:schemeClr>
+          </a:lnRef>
+          <a:fillRef idx="1">
+            <a:schemeClr val="accent1"/>
+          </a:fillRef>
+          <a:effectRef idx="0">
+            <a:schemeClr val="accent1"/>
+          </a:effectRef>
+          <a:fontRef idx="minor">
+            <a:schemeClr val="lt1"/>
+          </a:fontRef>
+        </p:style>
+        <p:txBody>
+          <a:bodyPr rtlCol="0" anchor="ctr"/>
+          <a:lstStyle/>
+          <a:p>
+            <a:pPr algn="ctr"/>
+            <a:endParaRPr lang="en-GB"/>
+          </a:p>
+        </p:txBody>
+      </p:sp>
     </p:spTree>
     <p:extLst>
       <p:ext uri="{BB962C8B-B14F-4D97-AF65-F5344CB8AC3E}">
